--- a/output/template.pptx
+++ b/output/template.pptx
@@ -506,7 +506,7 @@
           <a:p>
             <a:r>
               <a:rPr lang="en-US" dirty="0"/>
-              <a:t/>
+              <a:t>SLIDE 1: カバー（title）</a:t>
             </a:r>
             <a:endParaRPr lang="en-US" dirty="0"/>
           </a:p>
@@ -594,7 +594,7 @@
           <a:p>
             <a:r>
               <a:rPr lang="en-US" dirty="0"/>
-              <a:t/>
+              <a:t>SLIDE 2: セクション区切り（top）</a:t>
             </a:r>
             <a:endParaRPr lang="en-US" dirty="0"/>
           </a:p>
@@ -770,7 +770,7 @@
           <a:p>
             <a:r>
               <a:rPr lang="en-US" dirty="0"/>
-              <a:t/>
+              <a:t>SLIDE 5: 二列レイアウト</a:t>
             </a:r>
             <a:endParaRPr lang="en-US" dirty="0"/>
           </a:p>
@@ -858,7 +858,7 @@
           <a:p>
             <a:r>
               <a:rPr lang="en-US" dirty="0"/>
-              <a:t/>
+              <a:t>SLIDE 8: 見出し階層＋区切り線</a:t>
             </a:r>
             <a:endParaRPr lang="en-US" dirty="0"/>
           </a:p>
